--- a/MyMovieList.pptx
+++ b/MyMovieList.pptx
@@ -317,7 +317,7 @@
           <a:p>
             <a:fld id="{C1992CA0-3E00-45D7-9470-B6D115567592}" type="datetimeFigureOut">
               <a:rPr lang="en-US" smtClean="0"/>
-              <a:t>10/18/2018</a:t>
+              <a:t>10/18/18</a:t>
             </a:fld>
             <a:endParaRPr lang="en-US"/>
           </a:p>
@@ -592,7 +592,7 @@
           <a:p>
             <a:fld id="{C1992CA0-3E00-45D7-9470-B6D115567592}" type="datetimeFigureOut">
               <a:rPr lang="en-US" smtClean="0"/>
-              <a:t>10/18/2018</a:t>
+              <a:t>10/18/18</a:t>
             </a:fld>
             <a:endParaRPr lang="en-US"/>
           </a:p>
@@ -786,7 +786,7 @@
           <a:p>
             <a:fld id="{C1992CA0-3E00-45D7-9470-B6D115567592}" type="datetimeFigureOut">
               <a:rPr lang="en-US" smtClean="0"/>
-              <a:t>10/18/2018</a:t>
+              <a:t>10/18/18</a:t>
             </a:fld>
             <a:endParaRPr lang="en-US"/>
           </a:p>
@@ -1059,7 +1059,7 @@
           <a:p>
             <a:fld id="{C1992CA0-3E00-45D7-9470-B6D115567592}" type="datetimeFigureOut">
               <a:rPr lang="en-US" smtClean="0"/>
-              <a:t>10/18/2018</a:t>
+              <a:t>10/18/18</a:t>
             </a:fld>
             <a:endParaRPr lang="en-US"/>
           </a:p>
@@ -1400,7 +1400,7 @@
           <a:p>
             <a:fld id="{C1992CA0-3E00-45D7-9470-B6D115567592}" type="datetimeFigureOut">
               <a:rPr lang="en-US" smtClean="0"/>
-              <a:t>10/18/2018</a:t>
+              <a:t>10/18/18</a:t>
             </a:fld>
             <a:endParaRPr lang="en-US"/>
           </a:p>
@@ -2023,7 +2023,7 @@
           <a:p>
             <a:fld id="{C1992CA0-3E00-45D7-9470-B6D115567592}" type="datetimeFigureOut">
               <a:rPr lang="en-US" smtClean="0"/>
-              <a:t>10/18/2018</a:t>
+              <a:t>10/18/18</a:t>
             </a:fld>
             <a:endParaRPr lang="en-US"/>
           </a:p>
@@ -2883,7 +2883,7 @@
           <a:p>
             <a:fld id="{C1992CA0-3E00-45D7-9470-B6D115567592}" type="datetimeFigureOut">
               <a:rPr lang="en-US" smtClean="0"/>
-              <a:t>10/18/2018</a:t>
+              <a:t>10/18/18</a:t>
             </a:fld>
             <a:endParaRPr lang="en-US"/>
           </a:p>
@@ -3053,7 +3053,7 @@
           <a:p>
             <a:fld id="{C1992CA0-3E00-45D7-9470-B6D115567592}" type="datetimeFigureOut">
               <a:rPr lang="en-US" smtClean="0"/>
-              <a:t>10/18/2018</a:t>
+              <a:t>10/18/18</a:t>
             </a:fld>
             <a:endParaRPr lang="en-US"/>
           </a:p>
@@ -3233,7 +3233,7 @@
           <a:p>
             <a:fld id="{C1992CA0-3E00-45D7-9470-B6D115567592}" type="datetimeFigureOut">
               <a:rPr lang="en-US" smtClean="0"/>
-              <a:t>10/18/2018</a:t>
+              <a:t>10/18/18</a:t>
             </a:fld>
             <a:endParaRPr lang="en-US"/>
           </a:p>
@@ -3403,7 +3403,7 @@
           <a:p>
             <a:fld id="{C1992CA0-3E00-45D7-9470-B6D115567592}" type="datetimeFigureOut">
               <a:rPr lang="en-US" smtClean="0"/>
-              <a:t>10/18/2018</a:t>
+              <a:t>10/18/18</a:t>
             </a:fld>
             <a:endParaRPr lang="en-US"/>
           </a:p>
@@ -3650,7 +3650,7 @@
           <a:p>
             <a:fld id="{C1992CA0-3E00-45D7-9470-B6D115567592}" type="datetimeFigureOut">
               <a:rPr lang="en-US" smtClean="0"/>
-              <a:t>10/18/2018</a:t>
+              <a:t>10/18/18</a:t>
             </a:fld>
             <a:endParaRPr lang="en-US"/>
           </a:p>
@@ -3942,7 +3942,7 @@
           <a:p>
             <a:fld id="{C1992CA0-3E00-45D7-9470-B6D115567592}" type="datetimeFigureOut">
               <a:rPr lang="en-US" smtClean="0"/>
-              <a:t>10/18/2018</a:t>
+              <a:t>10/18/18</a:t>
             </a:fld>
             <a:endParaRPr lang="en-US"/>
           </a:p>
@@ -4386,7 +4386,7 @@
           <a:p>
             <a:fld id="{C1992CA0-3E00-45D7-9470-B6D115567592}" type="datetimeFigureOut">
               <a:rPr lang="en-US" smtClean="0"/>
-              <a:t>10/18/2018</a:t>
+              <a:t>10/18/18</a:t>
             </a:fld>
             <a:endParaRPr lang="en-US"/>
           </a:p>
@@ -4504,7 +4504,7 @@
           <a:p>
             <a:fld id="{C1992CA0-3E00-45D7-9470-B6D115567592}" type="datetimeFigureOut">
               <a:rPr lang="en-US" smtClean="0"/>
-              <a:t>10/18/2018</a:t>
+              <a:t>10/18/18</a:t>
             </a:fld>
             <a:endParaRPr lang="en-US"/>
           </a:p>
@@ -4599,7 +4599,7 @@
           <a:p>
             <a:fld id="{C1992CA0-3E00-45D7-9470-B6D115567592}" type="datetimeFigureOut">
               <a:rPr lang="en-US" smtClean="0"/>
-              <a:t>10/18/2018</a:t>
+              <a:t>10/18/18</a:t>
             </a:fld>
             <a:endParaRPr lang="en-US"/>
           </a:p>
@@ -4878,7 +4878,7 @@
           <a:p>
             <a:fld id="{C1992CA0-3E00-45D7-9470-B6D115567592}" type="datetimeFigureOut">
               <a:rPr lang="en-US" smtClean="0"/>
-              <a:t>10/18/2018</a:t>
+              <a:t>10/18/18</a:t>
             </a:fld>
             <a:endParaRPr lang="en-US"/>
           </a:p>
@@ -5153,7 +5153,7 @@
           <a:p>
             <a:fld id="{C1992CA0-3E00-45D7-9470-B6D115567592}" type="datetimeFigureOut">
               <a:rPr lang="en-US" smtClean="0"/>
-              <a:t>10/18/2018</a:t>
+              <a:t>10/18/18</a:t>
             </a:fld>
             <a:endParaRPr lang="en-US"/>
           </a:p>
@@ -5718,7 +5718,7 @@
           <a:p>
             <a:fld id="{C1992CA0-3E00-45D7-9470-B6D115567592}" type="datetimeFigureOut">
               <a:rPr lang="en-US" smtClean="0"/>
-              <a:t>10/18/2018</a:t>
+              <a:t>10/18/18</a:t>
             </a:fld>
             <a:endParaRPr lang="en-US"/>
           </a:p>
@@ -7270,7 +7270,7 @@
         <p:spPr/>
         <p:txBody>
           <a:bodyPr>
-            <a:normAutofit fontScale="85000" lnSpcReduction="20000"/>
+            <a:normAutofit fontScale="77500" lnSpcReduction="20000"/>
           </a:bodyPr>
           <a:lstStyle/>
           <a:p>
@@ -7369,6 +7369,13 @@
             <a:r>
               <a:rPr lang="en-US" dirty="0"/>
               <a:t>Font Awesome</a:t>
+            </a:r>
+          </a:p>
+          <a:p>
+            <a:pPr lvl="1"/>
+            <a:r>
+              <a:rPr lang="en-US" dirty="0"/>
+              <a:t>Passport</a:t>
             </a:r>
           </a:p>
           <a:p>
@@ -8898,6 +8905,130 @@
                                   </p:childTnLst>
                                 </p:cTn>
                               </p:par>
+                              <p:par>
+                                <p:cTn id="77" presetID="31" presetClass="entr" presetSubtype="0" fill="hold" nodeType="withEffect">
+                                  <p:stCondLst>
+                                    <p:cond delay="0"/>
+                                  </p:stCondLst>
+                                  <p:childTnLst>
+                                    <p:set>
+                                      <p:cBhvr>
+                                        <p:cTn id="78" dur="1" fill="hold">
+                                          <p:stCondLst>
+                                            <p:cond delay="0"/>
+                                          </p:stCondLst>
+                                        </p:cTn>
+                                        <p:tgtEl>
+                                          <p:spTgt spid="3">
+                                            <p:txEl>
+                                              <p:pRg st="13" end="13"/>
+                                            </p:txEl>
+                                          </p:spTgt>
+                                        </p:tgtEl>
+                                        <p:attrNameLst>
+                                          <p:attrName>style.visibility</p:attrName>
+                                        </p:attrNameLst>
+                                      </p:cBhvr>
+                                      <p:to>
+                                        <p:strVal val="visible"/>
+                                      </p:to>
+                                    </p:set>
+                                    <p:anim calcmode="lin" valueType="num">
+                                      <p:cBhvr>
+                                        <p:cTn id="79" dur="1000" fill="hold"/>
+                                        <p:tgtEl>
+                                          <p:spTgt spid="3">
+                                            <p:txEl>
+                                              <p:pRg st="13" end="13"/>
+                                            </p:txEl>
+                                          </p:spTgt>
+                                        </p:tgtEl>
+                                        <p:attrNameLst>
+                                          <p:attrName>ppt_w</p:attrName>
+                                        </p:attrNameLst>
+                                      </p:cBhvr>
+                                      <p:tavLst>
+                                        <p:tav tm="0">
+                                          <p:val>
+                                            <p:fltVal val="0"/>
+                                          </p:val>
+                                        </p:tav>
+                                        <p:tav tm="100000">
+                                          <p:val>
+                                            <p:strVal val="#ppt_w"/>
+                                          </p:val>
+                                        </p:tav>
+                                      </p:tavLst>
+                                    </p:anim>
+                                    <p:anim calcmode="lin" valueType="num">
+                                      <p:cBhvr>
+                                        <p:cTn id="80" dur="1000" fill="hold"/>
+                                        <p:tgtEl>
+                                          <p:spTgt spid="3">
+                                            <p:txEl>
+                                              <p:pRg st="13" end="13"/>
+                                            </p:txEl>
+                                          </p:spTgt>
+                                        </p:tgtEl>
+                                        <p:attrNameLst>
+                                          <p:attrName>ppt_h</p:attrName>
+                                        </p:attrNameLst>
+                                      </p:cBhvr>
+                                      <p:tavLst>
+                                        <p:tav tm="0">
+                                          <p:val>
+                                            <p:fltVal val="0"/>
+                                          </p:val>
+                                        </p:tav>
+                                        <p:tav tm="100000">
+                                          <p:val>
+                                            <p:strVal val="#ppt_h"/>
+                                          </p:val>
+                                        </p:tav>
+                                      </p:tavLst>
+                                    </p:anim>
+                                    <p:anim calcmode="lin" valueType="num">
+                                      <p:cBhvr>
+                                        <p:cTn id="81" dur="1000" fill="hold"/>
+                                        <p:tgtEl>
+                                          <p:spTgt spid="3">
+                                            <p:txEl>
+                                              <p:pRg st="13" end="13"/>
+                                            </p:txEl>
+                                          </p:spTgt>
+                                        </p:tgtEl>
+                                        <p:attrNameLst>
+                                          <p:attrName>style.rotation</p:attrName>
+                                        </p:attrNameLst>
+                                      </p:cBhvr>
+                                      <p:tavLst>
+                                        <p:tav tm="0">
+                                          <p:val>
+                                            <p:fltVal val="90"/>
+                                          </p:val>
+                                        </p:tav>
+                                        <p:tav tm="100000">
+                                          <p:val>
+                                            <p:fltVal val="0"/>
+                                          </p:val>
+                                        </p:tav>
+                                      </p:tavLst>
+                                    </p:anim>
+                                    <p:animEffect transition="in" filter="fade">
+                                      <p:cBhvr>
+                                        <p:cTn id="82" dur="1000"/>
+                                        <p:tgtEl>
+                                          <p:spTgt spid="3">
+                                            <p:txEl>
+                                              <p:pRg st="13" end="13"/>
+                                            </p:txEl>
+                                          </p:spTgt>
+                                        </p:tgtEl>
+                                      </p:cBhvr>
+                                    </p:animEffect>
+                                  </p:childTnLst>
+                                </p:cTn>
+                              </p:par>
                             </p:childTnLst>
                           </p:cTn>
                         </p:par>
@@ -8905,26 +9036,26 @@
                     </p:cTn>
                   </p:par>
                   <p:par>
-                    <p:cTn id="77" fill="hold">
+                    <p:cTn id="83" fill="hold">
                       <p:stCondLst>
                         <p:cond delay="indefinite"/>
                       </p:stCondLst>
                       <p:childTnLst>
                         <p:par>
-                          <p:cTn id="78" fill="hold">
+                          <p:cTn id="84" fill="hold">
                             <p:stCondLst>
                               <p:cond delay="0"/>
                             </p:stCondLst>
                             <p:childTnLst>
                               <p:par>
-                                <p:cTn id="79" presetID="1" presetClass="entr" presetSubtype="0" fill="hold" nodeType="clickEffect">
+                                <p:cTn id="85" presetID="1" presetClass="entr" presetSubtype="0" fill="hold" nodeType="clickEffect">
                                   <p:stCondLst>
                                     <p:cond delay="0"/>
                                   </p:stCondLst>
                                   <p:childTnLst>
                                     <p:set>
                                       <p:cBhvr>
-                                        <p:cTn id="80" dur="1" fill="hold">
+                                        <p:cTn id="86" dur="1" fill="hold">
                                           <p:stCondLst>
                                             <p:cond delay="0"/>
                                           </p:stCondLst>
@@ -9062,9 +9193,10 @@
           <a:p>
             <a:pPr lvl="1"/>
             <a:r>
-              <a:rPr lang="en-US" dirty="0"/>
+              <a:rPr lang="en-US" dirty="0" err="1"/>
               <a:t>Animate.css</a:t>
             </a:r>
+            <a:endParaRPr lang="en-US" dirty="0"/>
           </a:p>
           <a:p>
             <a:pPr lvl="1"/>
@@ -9081,7 +9213,21 @@
             <a:pPr lvl="1"/>
             <a:r>
               <a:rPr lang="en-US" dirty="0"/>
+              <a:t>Side Navigation</a:t>
+            </a:r>
+          </a:p>
+          <a:p>
+            <a:pPr lvl="1"/>
+            <a:r>
+              <a:rPr lang="en-US" dirty="0"/>
               <a:t>Carousel</a:t>
+            </a:r>
+          </a:p>
+          <a:p>
+            <a:pPr lvl="1"/>
+            <a:r>
+              <a:rPr lang="en-US" dirty="0"/>
+              <a:t>Modal Windows</a:t>
             </a:r>
           </a:p>
           <a:p>
@@ -9095,7 +9241,7 @@
             <a:pPr lvl="1"/>
             <a:r>
               <a:rPr lang="en-US" dirty="0"/>
-              <a:t>Modal Windows</a:t>
+              <a:t>Search Page</a:t>
             </a:r>
           </a:p>
         </p:txBody>
@@ -9174,6 +9320,45 @@
           </a:p>
           <a:p>
             <a:pPr lvl="1"/>
+            <a:r>
+              <a:rPr lang="en-US" dirty="0"/>
+              <a:t>React based back end work</a:t>
+            </a:r>
+          </a:p>
+          <a:p>
+            <a:pPr lvl="1"/>
+            <a:r>
+              <a:rPr lang="en-US" dirty="0"/>
+              <a:t>Authentication with passport and mongoose</a:t>
+            </a:r>
+          </a:p>
+          <a:p>
+            <a:pPr lvl="1"/>
+            <a:r>
+              <a:rPr lang="en-US" dirty="0" err="1"/>
+              <a:t>JQuery</a:t>
+            </a:r>
+            <a:r>
+              <a:rPr lang="en-US" dirty="0"/>
+              <a:t> where needed</a:t>
+            </a:r>
+          </a:p>
+          <a:p>
+            <a:pPr lvl="1"/>
+            <a:r>
+              <a:rPr lang="en-US" dirty="0"/>
+              <a:t>MongoDB</a:t>
+            </a:r>
+          </a:p>
+          <a:p>
+            <a:pPr lvl="1"/>
+            <a:r>
+              <a:rPr lang="en-US" dirty="0"/>
+              <a:t>Node/Express</a:t>
+            </a:r>
+          </a:p>
+          <a:p>
+            <a:pPr lvl="1"/>
             <a:endParaRPr lang="en-US" dirty="0"/>
           </a:p>
           <a:p>
@@ -9312,6 +9497,30 @@
             <a:r>
               <a:rPr lang="en-US" dirty="0"/>
               <a:t>Top Movies page (Ranked by users)</a:t>
+            </a:r>
+          </a:p>
+          <a:p>
+            <a:r>
+              <a:rPr lang="en-US" dirty="0"/>
+              <a:t>Chat functionality</a:t>
+            </a:r>
+          </a:p>
+          <a:p>
+            <a:r>
+              <a:rPr lang="en-US" dirty="0"/>
+              <a:t>User password reset</a:t>
+            </a:r>
+          </a:p>
+          <a:p>
+            <a:r>
+              <a:rPr lang="en-US" dirty="0"/>
+              <a:t>More movie content in the form of pages for each movies, allowing for comments</a:t>
+            </a:r>
+          </a:p>
+          <a:p>
+            <a:r>
+              <a:rPr lang="en-US" dirty="0"/>
+              <a:t>Allow you to add a movie from someone’s list to your own</a:t>
             </a:r>
           </a:p>
           <a:p>
